--- a/herman-GRA-SALib-tutorial.pptx
+++ b/herman-GRA-SALib-tutorial.pptx
@@ -288,7 +288,7 @@
           <a:p>
             <a:fld id="{B1A2FEDD-B18D-4F08-B90A-F02966C56EEE}" type="datetimeFigureOut">
               <a:rPr lang="en-US" smtClean="0"/>
-              <a:t>1/1/20</a:t>
+              <a:t>1/12/20</a:t>
             </a:fld>
             <a:endParaRPr lang="en-US"/>
           </a:p>
@@ -453,7 +453,7 @@
           <a:p>
             <a:fld id="{739AB784-4AF1-413D-AB7B-F5436CAD37BA}" type="datetimeFigureOut">
               <a:rPr lang="en-US" smtClean="0"/>
-              <a:t>1/1/20</a:t>
+              <a:t>1/12/20</a:t>
             </a:fld>
             <a:endParaRPr lang="en-US"/>
           </a:p>
@@ -953,7 +953,7 @@
               </a14:hiddenLine>
             </a:ext>
             <a:ext uri="{FAA26D3D-D897-4be2-8F04-BA451C77F1D7}">
-              <ma14:placeholderFlag xmlns:ma14="http://schemas.microsoft.com/office/mac/drawingml/2011/main" xmlns="" val="1"/>
+              <ma14:placeholderFlag xmlns="" xmlns:ma14="http://schemas.microsoft.com/office/mac/drawingml/2011/main" val="1"/>
             </a:ext>
           </a:extLst>
         </p:spPr>
@@ -11382,6 +11382,279 @@
   <p:clrMapOvr>
     <a:masterClrMapping/>
   </p:clrMapOvr>
+  <p:timing>
+    <p:tnLst>
+      <p:par>
+        <p:cTn id="1" dur="indefinite" restart="never" nodeType="tmRoot">
+          <p:childTnLst>
+            <p:seq concurrent="1" nextAc="seek">
+              <p:cTn id="2" dur="indefinite" nodeType="mainSeq">
+                <p:childTnLst>
+                  <p:par>
+                    <p:cTn id="3" fill="hold">
+                      <p:stCondLst>
+                        <p:cond delay="indefinite"/>
+                      </p:stCondLst>
+                      <p:childTnLst>
+                        <p:par>
+                          <p:cTn id="4" fill="hold">
+                            <p:stCondLst>
+                              <p:cond delay="0"/>
+                            </p:stCondLst>
+                            <p:childTnLst>
+                              <p:par>
+                                <p:cTn id="5" presetID="1" presetClass="entr" presetSubtype="0" fill="hold" grpId="0" nodeType="clickEffect">
+                                  <p:stCondLst>
+                                    <p:cond delay="0"/>
+                                  </p:stCondLst>
+                                  <p:childTnLst>
+                                    <p:set>
+                                      <p:cBhvr>
+                                        <p:cTn id="6" dur="1" fill="hold">
+                                          <p:stCondLst>
+                                            <p:cond delay="0"/>
+                                          </p:stCondLst>
+                                        </p:cTn>
+                                        <p:tgtEl>
+                                          <p:spTgt spid="3">
+                                            <p:txEl>
+                                              <p:pRg st="0" end="0"/>
+                                            </p:txEl>
+                                          </p:spTgt>
+                                        </p:tgtEl>
+                                        <p:attrNameLst>
+                                          <p:attrName>style.visibility</p:attrName>
+                                        </p:attrNameLst>
+                                      </p:cBhvr>
+                                      <p:to>
+                                        <p:strVal val="visible"/>
+                                      </p:to>
+                                    </p:set>
+                                  </p:childTnLst>
+                                </p:cTn>
+                              </p:par>
+                            </p:childTnLst>
+                          </p:cTn>
+                        </p:par>
+                      </p:childTnLst>
+                    </p:cTn>
+                  </p:par>
+                  <p:par>
+                    <p:cTn id="7" fill="hold">
+                      <p:stCondLst>
+                        <p:cond delay="indefinite"/>
+                      </p:stCondLst>
+                      <p:childTnLst>
+                        <p:par>
+                          <p:cTn id="8" fill="hold">
+                            <p:stCondLst>
+                              <p:cond delay="0"/>
+                            </p:stCondLst>
+                            <p:childTnLst>
+                              <p:par>
+                                <p:cTn id="9" presetID="1" presetClass="entr" presetSubtype="0" fill="hold" grpId="0" nodeType="clickEffect">
+                                  <p:stCondLst>
+                                    <p:cond delay="0"/>
+                                  </p:stCondLst>
+                                  <p:childTnLst>
+                                    <p:set>
+                                      <p:cBhvr>
+                                        <p:cTn id="10" dur="1" fill="hold">
+                                          <p:stCondLst>
+                                            <p:cond delay="0"/>
+                                          </p:stCondLst>
+                                        </p:cTn>
+                                        <p:tgtEl>
+                                          <p:spTgt spid="3">
+                                            <p:txEl>
+                                              <p:pRg st="1" end="1"/>
+                                            </p:txEl>
+                                          </p:spTgt>
+                                        </p:tgtEl>
+                                        <p:attrNameLst>
+                                          <p:attrName>style.visibility</p:attrName>
+                                        </p:attrNameLst>
+                                      </p:cBhvr>
+                                      <p:to>
+                                        <p:strVal val="visible"/>
+                                      </p:to>
+                                    </p:set>
+                                  </p:childTnLst>
+                                </p:cTn>
+                              </p:par>
+                              <p:par>
+                                <p:cTn id="11" presetID="1" presetClass="entr" presetSubtype="0" fill="hold" grpId="0" nodeType="withEffect">
+                                  <p:stCondLst>
+                                    <p:cond delay="0"/>
+                                  </p:stCondLst>
+                                  <p:childTnLst>
+                                    <p:set>
+                                      <p:cBhvr>
+                                        <p:cTn id="12" dur="1" fill="hold">
+                                          <p:stCondLst>
+                                            <p:cond delay="0"/>
+                                          </p:stCondLst>
+                                        </p:cTn>
+                                        <p:tgtEl>
+                                          <p:spTgt spid="3">
+                                            <p:txEl>
+                                              <p:pRg st="2" end="2"/>
+                                            </p:txEl>
+                                          </p:spTgt>
+                                        </p:tgtEl>
+                                        <p:attrNameLst>
+                                          <p:attrName>style.visibility</p:attrName>
+                                        </p:attrNameLst>
+                                      </p:cBhvr>
+                                      <p:to>
+                                        <p:strVal val="visible"/>
+                                      </p:to>
+                                    </p:set>
+                                  </p:childTnLst>
+                                </p:cTn>
+                              </p:par>
+                              <p:par>
+                                <p:cTn id="13" presetID="1" presetClass="entr" presetSubtype="0" fill="hold" grpId="0" nodeType="withEffect">
+                                  <p:stCondLst>
+                                    <p:cond delay="0"/>
+                                  </p:stCondLst>
+                                  <p:childTnLst>
+                                    <p:set>
+                                      <p:cBhvr>
+                                        <p:cTn id="14" dur="1" fill="hold">
+                                          <p:stCondLst>
+                                            <p:cond delay="0"/>
+                                          </p:stCondLst>
+                                        </p:cTn>
+                                        <p:tgtEl>
+                                          <p:spTgt spid="3">
+                                            <p:txEl>
+                                              <p:pRg st="3" end="3"/>
+                                            </p:txEl>
+                                          </p:spTgt>
+                                        </p:tgtEl>
+                                        <p:attrNameLst>
+                                          <p:attrName>style.visibility</p:attrName>
+                                        </p:attrNameLst>
+                                      </p:cBhvr>
+                                      <p:to>
+                                        <p:strVal val="visible"/>
+                                      </p:to>
+                                    </p:set>
+                                  </p:childTnLst>
+                                </p:cTn>
+                              </p:par>
+                            </p:childTnLst>
+                          </p:cTn>
+                        </p:par>
+                      </p:childTnLst>
+                    </p:cTn>
+                  </p:par>
+                  <p:par>
+                    <p:cTn id="15" fill="hold">
+                      <p:stCondLst>
+                        <p:cond delay="indefinite"/>
+                      </p:stCondLst>
+                      <p:childTnLst>
+                        <p:par>
+                          <p:cTn id="16" fill="hold">
+                            <p:stCondLst>
+                              <p:cond delay="0"/>
+                            </p:stCondLst>
+                            <p:childTnLst>
+                              <p:par>
+                                <p:cTn id="17" presetID="1" presetClass="entr" presetSubtype="0" fill="hold" grpId="0" nodeType="clickEffect">
+                                  <p:stCondLst>
+                                    <p:cond delay="0"/>
+                                  </p:stCondLst>
+                                  <p:childTnLst>
+                                    <p:set>
+                                      <p:cBhvr>
+                                        <p:cTn id="18" dur="1" fill="hold">
+                                          <p:stCondLst>
+                                            <p:cond delay="0"/>
+                                          </p:stCondLst>
+                                        </p:cTn>
+                                        <p:tgtEl>
+                                          <p:spTgt spid="3">
+                                            <p:txEl>
+                                              <p:pRg st="4" end="4"/>
+                                            </p:txEl>
+                                          </p:spTgt>
+                                        </p:tgtEl>
+                                        <p:attrNameLst>
+                                          <p:attrName>style.visibility</p:attrName>
+                                        </p:attrNameLst>
+                                      </p:cBhvr>
+                                      <p:to>
+                                        <p:strVal val="visible"/>
+                                      </p:to>
+                                    </p:set>
+                                  </p:childTnLst>
+                                </p:cTn>
+                              </p:par>
+                              <p:par>
+                                <p:cTn id="19" presetID="1" presetClass="entr" presetSubtype="0" fill="hold" grpId="0" nodeType="withEffect">
+                                  <p:stCondLst>
+                                    <p:cond delay="0"/>
+                                  </p:stCondLst>
+                                  <p:childTnLst>
+                                    <p:set>
+                                      <p:cBhvr>
+                                        <p:cTn id="20" dur="1" fill="hold">
+                                          <p:stCondLst>
+                                            <p:cond delay="0"/>
+                                          </p:stCondLst>
+                                        </p:cTn>
+                                        <p:tgtEl>
+                                          <p:spTgt spid="3">
+                                            <p:txEl>
+                                              <p:pRg st="5" end="5"/>
+                                            </p:txEl>
+                                          </p:spTgt>
+                                        </p:tgtEl>
+                                        <p:attrNameLst>
+                                          <p:attrName>style.visibility</p:attrName>
+                                        </p:attrNameLst>
+                                      </p:cBhvr>
+                                      <p:to>
+                                        <p:strVal val="visible"/>
+                                      </p:to>
+                                    </p:set>
+                                  </p:childTnLst>
+                                </p:cTn>
+                              </p:par>
+                            </p:childTnLst>
+                          </p:cTn>
+                        </p:par>
+                      </p:childTnLst>
+                    </p:cTn>
+                  </p:par>
+                </p:childTnLst>
+              </p:cTn>
+              <p:prevCondLst>
+                <p:cond evt="onPrev" delay="0">
+                  <p:tgtEl>
+                    <p:sldTgt/>
+                  </p:tgtEl>
+                </p:cond>
+              </p:prevCondLst>
+              <p:nextCondLst>
+                <p:cond evt="onNext" delay="0">
+                  <p:tgtEl>
+                    <p:sldTgt/>
+                  </p:tgtEl>
+                </p:cond>
+              </p:nextCondLst>
+            </p:seq>
+          </p:childTnLst>
+        </p:cTn>
+      </p:par>
+    </p:tnLst>
+    <p:bldLst>
+      <p:bldP spid="3" grpId="0" build="p"/>
+    </p:bldLst>
+  </p:timing>
 </p:sld>
 </file>
 
@@ -17448,6 +17721,237 @@
   <p:clrMapOvr>
     <a:masterClrMapping/>
   </p:clrMapOvr>
+  <p:timing>
+    <p:tnLst>
+      <p:par>
+        <p:cTn id="1" dur="indefinite" restart="never" nodeType="tmRoot">
+          <p:childTnLst>
+            <p:seq concurrent="1" nextAc="seek">
+              <p:cTn id="2" dur="indefinite" nodeType="mainSeq">
+                <p:childTnLst>
+                  <p:par>
+                    <p:cTn id="3" fill="hold">
+                      <p:stCondLst>
+                        <p:cond delay="indefinite"/>
+                      </p:stCondLst>
+                      <p:childTnLst>
+                        <p:par>
+                          <p:cTn id="4" fill="hold">
+                            <p:stCondLst>
+                              <p:cond delay="0"/>
+                            </p:stCondLst>
+                            <p:childTnLst>
+                              <p:par>
+                                <p:cTn id="5" presetID="1" presetClass="entr" presetSubtype="0" fill="hold" grpId="0" nodeType="clickEffect">
+                                  <p:stCondLst>
+                                    <p:cond delay="0"/>
+                                  </p:stCondLst>
+                                  <p:childTnLst>
+                                    <p:set>
+                                      <p:cBhvr>
+                                        <p:cTn id="6" dur="1" fill="hold">
+                                          <p:stCondLst>
+                                            <p:cond delay="0"/>
+                                          </p:stCondLst>
+                                        </p:cTn>
+                                        <p:tgtEl>
+                                          <p:spTgt spid="14">
+                                            <p:txEl>
+                                              <p:pRg st="0" end="0"/>
+                                            </p:txEl>
+                                          </p:spTgt>
+                                        </p:tgtEl>
+                                        <p:attrNameLst>
+                                          <p:attrName>style.visibility</p:attrName>
+                                        </p:attrNameLst>
+                                      </p:cBhvr>
+                                      <p:to>
+                                        <p:strVal val="visible"/>
+                                      </p:to>
+                                    </p:set>
+                                  </p:childTnLst>
+                                </p:cTn>
+                              </p:par>
+                            </p:childTnLst>
+                          </p:cTn>
+                        </p:par>
+                      </p:childTnLst>
+                    </p:cTn>
+                  </p:par>
+                  <p:par>
+                    <p:cTn id="7" fill="hold">
+                      <p:stCondLst>
+                        <p:cond delay="indefinite"/>
+                      </p:stCondLst>
+                      <p:childTnLst>
+                        <p:par>
+                          <p:cTn id="8" fill="hold">
+                            <p:stCondLst>
+                              <p:cond delay="0"/>
+                            </p:stCondLst>
+                            <p:childTnLst>
+                              <p:par>
+                                <p:cTn id="9" presetID="1" presetClass="entr" presetSubtype="0" fill="hold" grpId="0" nodeType="clickEffect">
+                                  <p:stCondLst>
+                                    <p:cond delay="0"/>
+                                  </p:stCondLst>
+                                  <p:childTnLst>
+                                    <p:set>
+                                      <p:cBhvr>
+                                        <p:cTn id="10" dur="1" fill="hold">
+                                          <p:stCondLst>
+                                            <p:cond delay="0"/>
+                                          </p:stCondLst>
+                                        </p:cTn>
+                                        <p:tgtEl>
+                                          <p:spTgt spid="14">
+                                            <p:txEl>
+                                              <p:pRg st="1" end="1"/>
+                                            </p:txEl>
+                                          </p:spTgt>
+                                        </p:tgtEl>
+                                        <p:attrNameLst>
+                                          <p:attrName>style.visibility</p:attrName>
+                                        </p:attrNameLst>
+                                      </p:cBhvr>
+                                      <p:to>
+                                        <p:strVal val="visible"/>
+                                      </p:to>
+                                    </p:set>
+                                  </p:childTnLst>
+                                </p:cTn>
+                              </p:par>
+                            </p:childTnLst>
+                          </p:cTn>
+                        </p:par>
+                      </p:childTnLst>
+                    </p:cTn>
+                  </p:par>
+                  <p:par>
+                    <p:cTn id="11" fill="hold">
+                      <p:stCondLst>
+                        <p:cond delay="indefinite"/>
+                      </p:stCondLst>
+                      <p:childTnLst>
+                        <p:par>
+                          <p:cTn id="12" fill="hold">
+                            <p:stCondLst>
+                              <p:cond delay="0"/>
+                            </p:stCondLst>
+                            <p:childTnLst>
+                              <p:par>
+                                <p:cTn id="13" presetID="1" presetClass="entr" presetSubtype="0" fill="hold" nodeType="clickEffect">
+                                  <p:stCondLst>
+                                    <p:cond delay="0"/>
+                                  </p:stCondLst>
+                                  <p:childTnLst>
+                                    <p:set>
+                                      <p:cBhvr>
+                                        <p:cTn id="14" dur="1" fill="hold">
+                                          <p:stCondLst>
+                                            <p:cond delay="0"/>
+                                          </p:stCondLst>
+                                        </p:cTn>
+                                        <p:tgtEl>
+                                          <p:spTgt spid="9"/>
+                                        </p:tgtEl>
+                                        <p:attrNameLst>
+                                          <p:attrName>style.visibility</p:attrName>
+                                        </p:attrNameLst>
+                                      </p:cBhvr>
+                                      <p:to>
+                                        <p:strVal val="visible"/>
+                                      </p:to>
+                                    </p:set>
+                                  </p:childTnLst>
+                                </p:cTn>
+                              </p:par>
+                              <p:par>
+                                <p:cTn id="15" presetID="1" presetClass="entr" presetSubtype="0" fill="hold" grpId="0" nodeType="withEffect">
+                                  <p:stCondLst>
+                                    <p:cond delay="0"/>
+                                  </p:stCondLst>
+                                  <p:childTnLst>
+                                    <p:set>
+                                      <p:cBhvr>
+                                        <p:cTn id="16" dur="1" fill="hold">
+                                          <p:stCondLst>
+                                            <p:cond delay="0"/>
+                                          </p:stCondLst>
+                                        </p:cTn>
+                                        <p:tgtEl>
+                                          <p:spTgt spid="28679"/>
+                                        </p:tgtEl>
+                                        <p:attrNameLst>
+                                          <p:attrName>style.visibility</p:attrName>
+                                        </p:attrNameLst>
+                                      </p:cBhvr>
+                                      <p:to>
+                                        <p:strVal val="visible"/>
+                                      </p:to>
+                                    </p:set>
+                                  </p:childTnLst>
+                                </p:cTn>
+                              </p:par>
+                              <p:par>
+                                <p:cTn id="17" presetID="1" presetClass="entr" presetSubtype="0" fill="hold" nodeType="withEffect">
+                                  <p:stCondLst>
+                                    <p:cond delay="0"/>
+                                  </p:stCondLst>
+                                  <p:childTnLst>
+                                    <p:set>
+                                      <p:cBhvr>
+                                        <p:cTn id="18" dur="1" fill="hold">
+                                          <p:stCondLst>
+                                            <p:cond delay="0"/>
+                                          </p:stCondLst>
+                                        </p:cTn>
+                                        <p:tgtEl>
+                                          <p:spTgt spid="28675"/>
+                                        </p:tgtEl>
+                                        <p:attrNameLst>
+                                          <p:attrName>style.visibility</p:attrName>
+                                        </p:attrNameLst>
+                                      </p:cBhvr>
+                                      <p:to>
+                                        <p:strVal val="visible"/>
+                                      </p:to>
+                                    </p:set>
+                                  </p:childTnLst>
+                                </p:cTn>
+                              </p:par>
+                            </p:childTnLst>
+                          </p:cTn>
+                        </p:par>
+                      </p:childTnLst>
+                    </p:cTn>
+                  </p:par>
+                </p:childTnLst>
+              </p:cTn>
+              <p:prevCondLst>
+                <p:cond evt="onPrev" delay="0">
+                  <p:tgtEl>
+                    <p:sldTgt/>
+                  </p:tgtEl>
+                </p:cond>
+              </p:prevCondLst>
+              <p:nextCondLst>
+                <p:cond evt="onNext" delay="0">
+                  <p:tgtEl>
+                    <p:sldTgt/>
+                  </p:tgtEl>
+                </p:cond>
+              </p:nextCondLst>
+            </p:seq>
+          </p:childTnLst>
+        </p:cTn>
+      </p:par>
+    </p:tnLst>
+    <p:bldLst>
+      <p:bldP spid="28679" grpId="0"/>
+      <p:bldP spid="14" grpId="0" build="p"/>
+    </p:bldLst>
+  </p:timing>
 </p:sld>
 </file>
 
